--- a/Figures/scores and labels/labels.pptx
+++ b/Figures/scores and labels/labels.pptx
@@ -115,7 +115,7 @@
 <file path=ppt/revisionInfo.xml><?xml version="1.0" encoding="utf-8"?>
 <p1510:revInfo xmlns:a="http://schemas.openxmlformats.org/drawingml/2006/main" xmlns:r="http://schemas.openxmlformats.org/officeDocument/2006/relationships" xmlns:p1510="http://schemas.microsoft.com/office/powerpoint/2015/10/main">
   <p1510:revLst>
-    <p1510:client id="{29AF56A6-EE12-4415-9474-3DC8ADBCAA20}" v="55" dt="2023-05-03T14:48:22.775"/>
+    <p1510:client id="{29AF56A6-EE12-4415-9474-3DC8ADBCAA20}" v="125" dt="2023-05-12T11:50:54.953"/>
   </p1510:revLst>
 </p1510:revInfo>
 </file>
@@ -162,6 +162,70 @@
       </pc:sldChg>
     </pc:docChg>
   </pc:docChgLst>
+  <pc:docChgLst>
+    <pc:chgData name="Anne Joo Marthinsen" userId="f4ea1ed657f150d5" providerId="LiveId" clId="{29AF56A6-EE12-4415-9474-3DC8ADBCAA20}"/>
+    <pc:docChg chg="undo custSel modSld">
+      <pc:chgData name="Anne Joo Marthinsen" userId="f4ea1ed657f150d5" providerId="LiveId" clId="{29AF56A6-EE12-4415-9474-3DC8ADBCAA20}" dt="2023-05-12T11:50:58.343" v="372" actId="478"/>
+      <pc:docMkLst>
+        <pc:docMk/>
+      </pc:docMkLst>
+      <pc:sldChg chg="addSp delSp modSp mod">
+        <pc:chgData name="Anne Joo Marthinsen" userId="f4ea1ed657f150d5" providerId="LiveId" clId="{29AF56A6-EE12-4415-9474-3DC8ADBCAA20}" dt="2023-05-12T11:50:58.343" v="372" actId="478"/>
+        <pc:sldMkLst>
+          <pc:docMk/>
+          <pc:sldMk cId="3042494034" sldId="256"/>
+        </pc:sldMkLst>
+        <pc:spChg chg="add mod">
+          <ac:chgData name="Anne Joo Marthinsen" userId="f4ea1ed657f150d5" providerId="LiveId" clId="{29AF56A6-EE12-4415-9474-3DC8ADBCAA20}" dt="2023-05-12T11:50:17.489" v="365" actId="6549"/>
+          <ac:spMkLst>
+            <pc:docMk/>
+            <pc:sldMk cId="3042494034" sldId="256"/>
+            <ac:spMk id="6" creationId="{1C06D30E-A38A-F22E-E69B-020E95343696}"/>
+          </ac:spMkLst>
+        </pc:spChg>
+        <pc:graphicFrameChg chg="add mod">
+          <ac:chgData name="Anne Joo Marthinsen" userId="f4ea1ed657f150d5" providerId="LiveId" clId="{29AF56A6-EE12-4415-9474-3DC8ADBCAA20}" dt="2023-05-12T11:50:54.953" v="371"/>
+          <ac:graphicFrameMkLst>
+            <pc:docMk/>
+            <pc:sldMk cId="3042494034" sldId="256"/>
+            <ac:graphicFrameMk id="2" creationId="{868AD779-1EF1-40B3-6F58-2C53C1E4594F}"/>
+          </ac:graphicFrameMkLst>
+        </pc:graphicFrameChg>
+        <pc:graphicFrameChg chg="mod">
+          <ac:chgData name="Anne Joo Marthinsen" userId="f4ea1ed657f150d5" providerId="LiveId" clId="{29AF56A6-EE12-4415-9474-3DC8ADBCAA20}" dt="2023-05-12T11:50:48.986" v="369" actId="1076"/>
+          <ac:graphicFrameMkLst>
+            <pc:docMk/>
+            <pc:sldMk cId="3042494034" sldId="256"/>
+            <ac:graphicFrameMk id="3" creationId="{C7FFFBB7-B51D-5A68-5100-B37A91E26FB1}"/>
+          </ac:graphicFrameMkLst>
+        </pc:graphicFrameChg>
+        <pc:graphicFrameChg chg="del mod">
+          <ac:chgData name="Anne Joo Marthinsen" userId="f4ea1ed657f150d5" providerId="LiveId" clId="{29AF56A6-EE12-4415-9474-3DC8ADBCAA20}" dt="2023-05-12T11:25:22.199" v="13" actId="478"/>
+          <ac:graphicFrameMkLst>
+            <pc:docMk/>
+            <pc:sldMk cId="3042494034" sldId="256"/>
+            <ac:graphicFrameMk id="11" creationId="{88B7FDD0-C234-BED2-B45E-0D4B7F428704}"/>
+          </ac:graphicFrameMkLst>
+        </pc:graphicFrameChg>
+        <pc:cxnChg chg="add del mod">
+          <ac:chgData name="Anne Joo Marthinsen" userId="f4ea1ed657f150d5" providerId="LiveId" clId="{29AF56A6-EE12-4415-9474-3DC8ADBCAA20}" dt="2023-05-12T11:32:19.304" v="91" actId="478"/>
+          <ac:cxnSpMkLst>
+            <pc:docMk/>
+            <pc:sldMk cId="3042494034" sldId="256"/>
+            <ac:cxnSpMk id="5" creationId="{7118BC73-9370-9747-C35E-3453D16B5775}"/>
+          </ac:cxnSpMkLst>
+        </pc:cxnChg>
+        <pc:cxnChg chg="add del">
+          <ac:chgData name="Anne Joo Marthinsen" userId="f4ea1ed657f150d5" providerId="LiveId" clId="{29AF56A6-EE12-4415-9474-3DC8ADBCAA20}" dt="2023-05-12T11:50:58.343" v="372" actId="478"/>
+          <ac:cxnSpMkLst>
+            <pc:docMk/>
+            <pc:sldMk cId="3042494034" sldId="256"/>
+            <ac:cxnSpMk id="8" creationId="{84AEB41A-6B66-BC65-4818-AB735B47C91E}"/>
+          </ac:cxnSpMkLst>
+        </pc:cxnChg>
+      </pc:sldChg>
+    </pc:docChg>
+  </pc:docChgLst>
 </pc:chgInfo>
 </file>
 
@@ -200,7 +264,7 @@
             </a:pPr>
             <a:r>
               <a:rPr lang="en-US" dirty="0"/>
-              <a:t>STAY-Y1 labels</a:t>
+              <a:t>SS labels</a:t>
             </a:r>
           </a:p>
         </c:rich>
@@ -209,8 +273,8 @@
         <c:manualLayout>
           <c:xMode val="edge"/>
           <c:yMode val="edge"/>
-          <c:x val="0.58697191960593975"/>
-          <c:y val="1.2962962962962963E-2"/>
+          <c:x val="0.20056946089605293"/>
+          <c:y val="3.613960781972772E-2"/>
         </c:manualLayout>
       </c:layout>
       <c:overlay val="0"/>
@@ -249,10 +313,10 @@
           <c:layoutTarget val="inner"/>
           <c:xMode val="edge"/>
           <c:yMode val="edge"/>
-          <c:x val="0.13018832634238478"/>
-          <c:y val="7.9129629629629633E-2"/>
-          <c:w val="0.66997073884950142"/>
-          <c:h val="0.86770968212306798"/>
+          <c:x val="0.19210272673019022"/>
+          <c:y val="8.3690434529017213E-2"/>
+          <c:w val="0.6254455754011643"/>
+          <c:h val="0.86314887722368039"/>
         </c:manualLayout>
       </c:layout>
       <c:barChart>
@@ -284,13 +348,96 @@
           </c:spPr>
           <c:invertIfNegative val="0"/>
           <c:cat>
-            <c:numRef>
+            <c:strRef>
               <c:f>'Ark1'!$A$2:$A$29</c:f>
-              <c:numCache>
-                <c:formatCode>General</c:formatCode>
+              <c:strCache>
                 <c:ptCount val="28"/>
-              </c:numCache>
-            </c:numRef>
+                <c:pt idx="0">
+                  <c:v>Subject 28</c:v>
+                </c:pt>
+                <c:pt idx="1">
+                  <c:v>Subject 27</c:v>
+                </c:pt>
+                <c:pt idx="2">
+                  <c:v>Subject 26</c:v>
+                </c:pt>
+                <c:pt idx="3">
+                  <c:v>Subject 25</c:v>
+                </c:pt>
+                <c:pt idx="4">
+                  <c:v>Subject 24</c:v>
+                </c:pt>
+                <c:pt idx="5">
+                  <c:v>Subject 23</c:v>
+                </c:pt>
+                <c:pt idx="6">
+                  <c:v>Subject 22</c:v>
+                </c:pt>
+                <c:pt idx="7">
+                  <c:v>Subject 21</c:v>
+                </c:pt>
+                <c:pt idx="8">
+                  <c:v>Subject 20</c:v>
+                </c:pt>
+                <c:pt idx="9">
+                  <c:v>Subject 19</c:v>
+                </c:pt>
+                <c:pt idx="10">
+                  <c:v>Subject 18</c:v>
+                </c:pt>
+                <c:pt idx="11">
+                  <c:v>Subject 17</c:v>
+                </c:pt>
+                <c:pt idx="12">
+                  <c:v>Subject 16</c:v>
+                </c:pt>
+                <c:pt idx="13">
+                  <c:v>Subject 15</c:v>
+                </c:pt>
+                <c:pt idx="14">
+                  <c:v>Subject 14</c:v>
+                </c:pt>
+                <c:pt idx="15">
+                  <c:v>Subject 13</c:v>
+                </c:pt>
+                <c:pt idx="16">
+                  <c:v>Subject 12</c:v>
+                </c:pt>
+                <c:pt idx="17">
+                  <c:v>Subject 11</c:v>
+                </c:pt>
+                <c:pt idx="18">
+                  <c:v>Subject 10</c:v>
+                </c:pt>
+                <c:pt idx="19">
+                  <c:v>Subject 09</c:v>
+                </c:pt>
+                <c:pt idx="20">
+                  <c:v>Subject 08</c:v>
+                </c:pt>
+                <c:pt idx="21">
+                  <c:v>Subject 07</c:v>
+                </c:pt>
+                <c:pt idx="22">
+                  <c:v>Subject 06</c:v>
+                </c:pt>
+                <c:pt idx="23">
+                  <c:v>Subject 05</c:v>
+                </c:pt>
+                <c:pt idx="24">
+                  <c:v>Subject 04</c:v>
+                </c:pt>
+                <c:pt idx="25">
+                  <c:v>Subject 03</c:v>
+                </c:pt>
+                <c:pt idx="26">
+                  <c:v>Subject 02</c:v>
+                </c:pt>
+                <c:pt idx="27">
+                  <c:v>Subject 01</c:v>
+                </c:pt>
+              </c:strCache>
+            </c:strRef>
           </c:cat>
           <c:val>
             <c:numRef>
@@ -302,19 +449,19 @@
                   <c:v>0</c:v>
                 </c:pt>
                 <c:pt idx="1">
-                  <c:v>2</c:v>
+                  <c:v>1</c:v>
                 </c:pt>
                 <c:pt idx="2">
-                  <c:v>1</c:v>
+                  <c:v>0</c:v>
                 </c:pt>
                 <c:pt idx="3">
-                  <c:v>2</c:v>
+                  <c:v>1</c:v>
                 </c:pt>
                 <c:pt idx="4">
                   <c:v>2</c:v>
                 </c:pt>
                 <c:pt idx="5">
-                  <c:v>2</c:v>
+                  <c:v>1</c:v>
                 </c:pt>
                 <c:pt idx="6">
                   <c:v>1</c:v>
@@ -326,31 +473,31 @@
                   <c:v>1</c:v>
                 </c:pt>
                 <c:pt idx="9">
-                  <c:v>2</c:v>
+                  <c:v>0</c:v>
                 </c:pt>
                 <c:pt idx="10">
-                  <c:v>2</c:v>
+                  <c:v>1</c:v>
                 </c:pt>
                 <c:pt idx="11">
-                  <c:v>0</c:v>
+                  <c:v>1</c:v>
                 </c:pt>
                 <c:pt idx="12">
-                  <c:v>0</c:v>
+                  <c:v>1</c:v>
                 </c:pt>
                 <c:pt idx="13">
                   <c:v>2</c:v>
                 </c:pt>
                 <c:pt idx="14">
-                  <c:v>2</c:v>
+                  <c:v>1</c:v>
                 </c:pt>
                 <c:pt idx="15">
-                  <c:v>0</c:v>
+                  <c:v>1</c:v>
                 </c:pt>
                 <c:pt idx="16">
-                  <c:v>1</c:v>
+                  <c:v>0</c:v>
                 </c:pt>
                 <c:pt idx="17">
-                  <c:v>2</c:v>
+                  <c:v>1</c:v>
                 </c:pt>
                 <c:pt idx="18">
                   <c:v>0</c:v>
@@ -359,13 +506,13 @@
                   <c:v>1</c:v>
                 </c:pt>
                 <c:pt idx="20">
-                  <c:v>2</c:v>
+                  <c:v>1</c:v>
                 </c:pt>
                 <c:pt idx="21">
                   <c:v>2</c:v>
                 </c:pt>
                 <c:pt idx="22">
-                  <c:v>2</c:v>
+                  <c:v>1</c:v>
                 </c:pt>
                 <c:pt idx="23">
                   <c:v>0</c:v>
@@ -377,7 +524,7 @@
                   <c:v>2</c:v>
                 </c:pt>
                 <c:pt idx="26">
-                  <c:v>1</c:v>
+                  <c:v>0</c:v>
                 </c:pt>
                 <c:pt idx="27">
                   <c:v>0</c:v>
@@ -387,7 +534,7 @@
           </c:val>
           <c:extLst>
             <c:ext xmlns:c16="http://schemas.microsoft.com/office/drawing/2014/chart" uri="{C3380CC4-5D6E-409C-BE32-E72D297353CC}">
-              <c16:uniqueId val="{00000000-F93C-476B-AB48-92A3F036FBC1}"/>
+              <c16:uniqueId val="{00000000-678D-45B2-9C43-29A106EE4A2C}"/>
             </c:ext>
           </c:extLst>
         </c:ser>
@@ -416,13 +563,96 @@
           </c:spPr>
           <c:invertIfNegative val="0"/>
           <c:cat>
-            <c:numRef>
+            <c:strRef>
               <c:f>'Ark1'!$A$2:$A$29</c:f>
-              <c:numCache>
-                <c:formatCode>General</c:formatCode>
+              <c:strCache>
                 <c:ptCount val="28"/>
-              </c:numCache>
-            </c:numRef>
+                <c:pt idx="0">
+                  <c:v>Subject 28</c:v>
+                </c:pt>
+                <c:pt idx="1">
+                  <c:v>Subject 27</c:v>
+                </c:pt>
+                <c:pt idx="2">
+                  <c:v>Subject 26</c:v>
+                </c:pt>
+                <c:pt idx="3">
+                  <c:v>Subject 25</c:v>
+                </c:pt>
+                <c:pt idx="4">
+                  <c:v>Subject 24</c:v>
+                </c:pt>
+                <c:pt idx="5">
+                  <c:v>Subject 23</c:v>
+                </c:pt>
+                <c:pt idx="6">
+                  <c:v>Subject 22</c:v>
+                </c:pt>
+                <c:pt idx="7">
+                  <c:v>Subject 21</c:v>
+                </c:pt>
+                <c:pt idx="8">
+                  <c:v>Subject 20</c:v>
+                </c:pt>
+                <c:pt idx="9">
+                  <c:v>Subject 19</c:v>
+                </c:pt>
+                <c:pt idx="10">
+                  <c:v>Subject 18</c:v>
+                </c:pt>
+                <c:pt idx="11">
+                  <c:v>Subject 17</c:v>
+                </c:pt>
+                <c:pt idx="12">
+                  <c:v>Subject 16</c:v>
+                </c:pt>
+                <c:pt idx="13">
+                  <c:v>Subject 15</c:v>
+                </c:pt>
+                <c:pt idx="14">
+                  <c:v>Subject 14</c:v>
+                </c:pt>
+                <c:pt idx="15">
+                  <c:v>Subject 13</c:v>
+                </c:pt>
+                <c:pt idx="16">
+                  <c:v>Subject 12</c:v>
+                </c:pt>
+                <c:pt idx="17">
+                  <c:v>Subject 11</c:v>
+                </c:pt>
+                <c:pt idx="18">
+                  <c:v>Subject 10</c:v>
+                </c:pt>
+                <c:pt idx="19">
+                  <c:v>Subject 09</c:v>
+                </c:pt>
+                <c:pt idx="20">
+                  <c:v>Subject 08</c:v>
+                </c:pt>
+                <c:pt idx="21">
+                  <c:v>Subject 07</c:v>
+                </c:pt>
+                <c:pt idx="22">
+                  <c:v>Subject 06</c:v>
+                </c:pt>
+                <c:pt idx="23">
+                  <c:v>Subject 05</c:v>
+                </c:pt>
+                <c:pt idx="24">
+                  <c:v>Subject 04</c:v>
+                </c:pt>
+                <c:pt idx="25">
+                  <c:v>Subject 03</c:v>
+                </c:pt>
+                <c:pt idx="26">
+                  <c:v>Subject 02</c:v>
+                </c:pt>
+                <c:pt idx="27">
+                  <c:v>Subject 01</c:v>
+                </c:pt>
+              </c:strCache>
+            </c:strRef>
           </c:cat>
           <c:val>
             <c:numRef>
@@ -437,24 +667,21 @@
                   <c:v>1</c:v>
                 </c:pt>
                 <c:pt idx="2">
-                  <c:v>0</c:v>
+                  <c:v>1</c:v>
                 </c:pt>
                 <c:pt idx="3">
                   <c:v>2</c:v>
                 </c:pt>
                 <c:pt idx="4">
-                  <c:v>2</c:v>
+                  <c:v>1</c:v>
                 </c:pt>
                 <c:pt idx="5">
                   <c:v>2</c:v>
                 </c:pt>
                 <c:pt idx="6">
-                  <c:v>2</c:v>
+                  <c:v>1</c:v>
                 </c:pt>
                 <c:pt idx="7">
-                  <c:v>2</c:v>
-                </c:pt>
-                <c:pt idx="8">
                   <c:v>1</c:v>
                 </c:pt>
                 <c:pt idx="9">
@@ -464,34 +691,34 @@
                   <c:v>2</c:v>
                 </c:pt>
                 <c:pt idx="11">
-                  <c:v>0</c:v>
+                  <c:v>1</c:v>
                 </c:pt>
                 <c:pt idx="12">
                   <c:v>1</c:v>
                 </c:pt>
                 <c:pt idx="13">
+                  <c:v>1</c:v>
+                </c:pt>
+                <c:pt idx="14">
                   <c:v>2</c:v>
                 </c:pt>
-                <c:pt idx="14">
-                  <c:v>0</c:v>
-                </c:pt>
                 <c:pt idx="15">
-                  <c:v>0</c:v>
+                  <c:v>1</c:v>
                 </c:pt>
                 <c:pt idx="16">
-                  <c:v>2</c:v>
+                  <c:v>1</c:v>
                 </c:pt>
                 <c:pt idx="17">
-                  <c:v>2</c:v>
+                  <c:v>1</c:v>
                 </c:pt>
                 <c:pt idx="18">
                   <c:v>0</c:v>
                 </c:pt>
                 <c:pt idx="19">
-                  <c:v>2</c:v>
+                  <c:v>1</c:v>
                 </c:pt>
                 <c:pt idx="20">
-                  <c:v>0</c:v>
+                  <c:v>1</c:v>
                 </c:pt>
                 <c:pt idx="21">
                   <c:v>2</c:v>
@@ -500,7 +727,7 @@
                   <c:v>2</c:v>
                 </c:pt>
                 <c:pt idx="23">
-                  <c:v>0</c:v>
+                  <c:v>1</c:v>
                 </c:pt>
                 <c:pt idx="24">
                   <c:v>2</c:v>
@@ -512,14 +739,14 @@
                   <c:v>1</c:v>
                 </c:pt>
                 <c:pt idx="27">
-                  <c:v>0</c:v>
+                  <c:v>1</c:v>
                 </c:pt>
               </c:numCache>
             </c:numRef>
           </c:val>
           <c:extLst>
             <c:ext xmlns:c16="http://schemas.microsoft.com/office/drawing/2014/chart" uri="{C3380CC4-5D6E-409C-BE32-E72D297353CC}">
-              <c16:uniqueId val="{00000001-F93C-476B-AB48-92A3F036FBC1}"/>
+              <c16:uniqueId val="{00000001-678D-45B2-9C43-29A106EE4A2C}"/>
             </c:ext>
           </c:extLst>
         </c:ser>
@@ -548,13 +775,96 @@
           </c:spPr>
           <c:invertIfNegative val="0"/>
           <c:cat>
-            <c:numRef>
+            <c:strRef>
               <c:f>'Ark1'!$A$2:$A$29</c:f>
-              <c:numCache>
-                <c:formatCode>General</c:formatCode>
+              <c:strCache>
                 <c:ptCount val="28"/>
-              </c:numCache>
-            </c:numRef>
+                <c:pt idx="0">
+                  <c:v>Subject 28</c:v>
+                </c:pt>
+                <c:pt idx="1">
+                  <c:v>Subject 27</c:v>
+                </c:pt>
+                <c:pt idx="2">
+                  <c:v>Subject 26</c:v>
+                </c:pt>
+                <c:pt idx="3">
+                  <c:v>Subject 25</c:v>
+                </c:pt>
+                <c:pt idx="4">
+                  <c:v>Subject 24</c:v>
+                </c:pt>
+                <c:pt idx="5">
+                  <c:v>Subject 23</c:v>
+                </c:pt>
+                <c:pt idx="6">
+                  <c:v>Subject 22</c:v>
+                </c:pt>
+                <c:pt idx="7">
+                  <c:v>Subject 21</c:v>
+                </c:pt>
+                <c:pt idx="8">
+                  <c:v>Subject 20</c:v>
+                </c:pt>
+                <c:pt idx="9">
+                  <c:v>Subject 19</c:v>
+                </c:pt>
+                <c:pt idx="10">
+                  <c:v>Subject 18</c:v>
+                </c:pt>
+                <c:pt idx="11">
+                  <c:v>Subject 17</c:v>
+                </c:pt>
+                <c:pt idx="12">
+                  <c:v>Subject 16</c:v>
+                </c:pt>
+                <c:pt idx="13">
+                  <c:v>Subject 15</c:v>
+                </c:pt>
+                <c:pt idx="14">
+                  <c:v>Subject 14</c:v>
+                </c:pt>
+                <c:pt idx="15">
+                  <c:v>Subject 13</c:v>
+                </c:pt>
+                <c:pt idx="16">
+                  <c:v>Subject 12</c:v>
+                </c:pt>
+                <c:pt idx="17">
+                  <c:v>Subject 11</c:v>
+                </c:pt>
+                <c:pt idx="18">
+                  <c:v>Subject 10</c:v>
+                </c:pt>
+                <c:pt idx="19">
+                  <c:v>Subject 09</c:v>
+                </c:pt>
+                <c:pt idx="20">
+                  <c:v>Subject 08</c:v>
+                </c:pt>
+                <c:pt idx="21">
+                  <c:v>Subject 07</c:v>
+                </c:pt>
+                <c:pt idx="22">
+                  <c:v>Subject 06</c:v>
+                </c:pt>
+                <c:pt idx="23">
+                  <c:v>Subject 05</c:v>
+                </c:pt>
+                <c:pt idx="24">
+                  <c:v>Subject 04</c:v>
+                </c:pt>
+                <c:pt idx="25">
+                  <c:v>Subject 03</c:v>
+                </c:pt>
+                <c:pt idx="26">
+                  <c:v>Subject 02</c:v>
+                </c:pt>
+                <c:pt idx="27">
+                  <c:v>Subject 01</c:v>
+                </c:pt>
+              </c:strCache>
+            </c:strRef>
           </c:cat>
           <c:val>
             <c:numRef>
@@ -566,16 +876,16 @@
                   <c:v>0</c:v>
                 </c:pt>
                 <c:pt idx="1">
-                  <c:v>1</c:v>
+                  <c:v>0</c:v>
                 </c:pt>
                 <c:pt idx="2">
                   <c:v>0</c:v>
                 </c:pt>
                 <c:pt idx="3">
-                  <c:v>0</c:v>
+                  <c:v>1</c:v>
                 </c:pt>
                 <c:pt idx="4">
-                  <c:v>0</c:v>
+                  <c:v>1</c:v>
                 </c:pt>
                 <c:pt idx="5">
                   <c:v>0</c:v>
@@ -593,13 +903,13 @@
                   <c:v>0</c:v>
                 </c:pt>
                 <c:pt idx="10">
-                  <c:v>1</c:v>
+                  <c:v>0</c:v>
                 </c:pt>
                 <c:pt idx="11">
                   <c:v>0</c:v>
                 </c:pt>
                 <c:pt idx="12">
-                  <c:v>1</c:v>
+                  <c:v>0</c:v>
                 </c:pt>
                 <c:pt idx="13">
                   <c:v>0</c:v>
@@ -611,7 +921,7 @@
                   <c:v>0</c:v>
                 </c:pt>
                 <c:pt idx="16">
-                  <c:v>2</c:v>
+                  <c:v>0</c:v>
                 </c:pt>
                 <c:pt idx="17">
                   <c:v>0</c:v>
@@ -626,7 +936,7 @@
                   <c:v>0</c:v>
                 </c:pt>
                 <c:pt idx="21">
-                  <c:v>0</c:v>
+                  <c:v>1</c:v>
                 </c:pt>
                 <c:pt idx="22">
                   <c:v>0</c:v>
@@ -651,7 +961,7 @@
           </c:val>
           <c:extLst>
             <c:ext xmlns:c16="http://schemas.microsoft.com/office/drawing/2014/chart" uri="{C3380CC4-5D6E-409C-BE32-E72D297353CC}">
-              <c16:uniqueId val="{00000002-F93C-476B-AB48-92A3F036FBC1}"/>
+              <c16:uniqueId val="{00000002-678D-45B2-9C43-29A106EE4A2C}"/>
             </c:ext>
           </c:extLst>
         </c:ser>
@@ -682,13 +992,96 @@
           </c:spPr>
           <c:invertIfNegative val="0"/>
           <c:cat>
-            <c:numRef>
+            <c:strRef>
               <c:f>'Ark1'!$A$2:$A$29</c:f>
-              <c:numCache>
-                <c:formatCode>General</c:formatCode>
+              <c:strCache>
                 <c:ptCount val="28"/>
-              </c:numCache>
-            </c:numRef>
+                <c:pt idx="0">
+                  <c:v>Subject 28</c:v>
+                </c:pt>
+                <c:pt idx="1">
+                  <c:v>Subject 27</c:v>
+                </c:pt>
+                <c:pt idx="2">
+                  <c:v>Subject 26</c:v>
+                </c:pt>
+                <c:pt idx="3">
+                  <c:v>Subject 25</c:v>
+                </c:pt>
+                <c:pt idx="4">
+                  <c:v>Subject 24</c:v>
+                </c:pt>
+                <c:pt idx="5">
+                  <c:v>Subject 23</c:v>
+                </c:pt>
+                <c:pt idx="6">
+                  <c:v>Subject 22</c:v>
+                </c:pt>
+                <c:pt idx="7">
+                  <c:v>Subject 21</c:v>
+                </c:pt>
+                <c:pt idx="8">
+                  <c:v>Subject 20</c:v>
+                </c:pt>
+                <c:pt idx="9">
+                  <c:v>Subject 19</c:v>
+                </c:pt>
+                <c:pt idx="10">
+                  <c:v>Subject 18</c:v>
+                </c:pt>
+                <c:pt idx="11">
+                  <c:v>Subject 17</c:v>
+                </c:pt>
+                <c:pt idx="12">
+                  <c:v>Subject 16</c:v>
+                </c:pt>
+                <c:pt idx="13">
+                  <c:v>Subject 15</c:v>
+                </c:pt>
+                <c:pt idx="14">
+                  <c:v>Subject 14</c:v>
+                </c:pt>
+                <c:pt idx="15">
+                  <c:v>Subject 13</c:v>
+                </c:pt>
+                <c:pt idx="16">
+                  <c:v>Subject 12</c:v>
+                </c:pt>
+                <c:pt idx="17">
+                  <c:v>Subject 11</c:v>
+                </c:pt>
+                <c:pt idx="18">
+                  <c:v>Subject 10</c:v>
+                </c:pt>
+                <c:pt idx="19">
+                  <c:v>Subject 09</c:v>
+                </c:pt>
+                <c:pt idx="20">
+                  <c:v>Subject 08</c:v>
+                </c:pt>
+                <c:pt idx="21">
+                  <c:v>Subject 07</c:v>
+                </c:pt>
+                <c:pt idx="22">
+                  <c:v>Subject 06</c:v>
+                </c:pt>
+                <c:pt idx="23">
+                  <c:v>Subject 05</c:v>
+                </c:pt>
+                <c:pt idx="24">
+                  <c:v>Subject 04</c:v>
+                </c:pt>
+                <c:pt idx="25">
+                  <c:v>Subject 03</c:v>
+                </c:pt>
+                <c:pt idx="26">
+                  <c:v>Subject 02</c:v>
+                </c:pt>
+                <c:pt idx="27">
+                  <c:v>Subject 01</c:v>
+                </c:pt>
+              </c:strCache>
+            </c:strRef>
           </c:cat>
           <c:val>
             <c:numRef>
@@ -697,25 +1090,25 @@
                 <c:formatCode>General</c:formatCode>
                 <c:ptCount val="28"/>
                 <c:pt idx="0">
-                  <c:v>0</c:v>
+                  <c:v>1</c:v>
                 </c:pt>
                 <c:pt idx="1">
                   <c:v>0</c:v>
                 </c:pt>
                 <c:pt idx="2">
-                  <c:v>0</c:v>
+                  <c:v>1</c:v>
                 </c:pt>
                 <c:pt idx="3">
-                  <c:v>2</c:v>
+                  <c:v>1</c:v>
                 </c:pt>
                 <c:pt idx="4">
                   <c:v>1</c:v>
                 </c:pt>
                 <c:pt idx="5">
-                  <c:v>0</c:v>
+                  <c:v>1</c:v>
                 </c:pt>
                 <c:pt idx="6">
-                  <c:v>0</c:v>
+                  <c:v>1</c:v>
                 </c:pt>
                 <c:pt idx="7">
                   <c:v>1</c:v>
@@ -724,16 +1117,16 @@
                   <c:v>0</c:v>
                 </c:pt>
                 <c:pt idx="9">
-                  <c:v>0</c:v>
+                  <c:v>1</c:v>
                 </c:pt>
                 <c:pt idx="10">
-                  <c:v>2</c:v>
+                  <c:v>1</c:v>
                 </c:pt>
                 <c:pt idx="11">
-                  <c:v>0</c:v>
+                  <c:v>1</c:v>
                 </c:pt>
                 <c:pt idx="12">
-                  <c:v>2</c:v>
+                  <c:v>0</c:v>
                 </c:pt>
                 <c:pt idx="13">
                   <c:v>1</c:v>
@@ -742,40 +1135,40 @@
                   <c:v>0</c:v>
                 </c:pt>
                 <c:pt idx="15">
-                  <c:v>0</c:v>
+                  <c:v>1</c:v>
                 </c:pt>
                 <c:pt idx="16">
                   <c:v>1</c:v>
                 </c:pt>
                 <c:pt idx="17">
-                  <c:v>2</c:v>
+                  <c:v>1</c:v>
                 </c:pt>
                 <c:pt idx="18">
                   <c:v>0</c:v>
                 </c:pt>
                 <c:pt idx="19">
-                  <c:v>0</c:v>
+                  <c:v>1</c:v>
                 </c:pt>
                 <c:pt idx="20">
-                  <c:v>0</c:v>
+                  <c:v>1</c:v>
                 </c:pt>
                 <c:pt idx="21">
-                  <c:v>0</c:v>
+                  <c:v>1</c:v>
                 </c:pt>
                 <c:pt idx="22">
                   <c:v>0</c:v>
                 </c:pt>
                 <c:pt idx="23">
-                  <c:v>0</c:v>
+                  <c:v>1</c:v>
                 </c:pt>
                 <c:pt idx="24">
                   <c:v>0</c:v>
                 </c:pt>
                 <c:pt idx="25">
-                  <c:v>0</c:v>
+                  <c:v>1</c:v>
                 </c:pt>
                 <c:pt idx="26">
-                  <c:v>0</c:v>
+                  <c:v>1</c:v>
                 </c:pt>
                 <c:pt idx="27">
                   <c:v>0</c:v>
@@ -785,141 +1178,7 @@
           </c:val>
           <c:extLst>
             <c:ext xmlns:c16="http://schemas.microsoft.com/office/drawing/2014/chart" uri="{C3380CC4-5D6E-409C-BE32-E72D297353CC}">
-              <c16:uniqueId val="{00000003-F93C-476B-AB48-92A3F036FBC1}"/>
-            </c:ext>
-          </c:extLst>
-        </c:ser>
-        <c:ser>
-          <c:idx val="4"/>
-          <c:order val="4"/>
-          <c:tx>
-            <c:strRef>
-              <c:f>'Ark1'!$F$1</c:f>
-              <c:strCache>
-                <c:ptCount val="1"/>
-                <c:pt idx="0">
-                  <c:v> STAY-Y1</c:v>
-                </c:pt>
-              </c:strCache>
-            </c:strRef>
-          </c:tx>
-          <c:spPr>
-            <a:solidFill>
-              <a:schemeClr val="accent3">
-                <a:lumMod val="60000"/>
-              </a:schemeClr>
-            </a:solidFill>
-            <a:ln>
-              <a:noFill/>
-            </a:ln>
-            <a:effectLst/>
-          </c:spPr>
-          <c:invertIfNegative val="0"/>
-          <c:cat>
-            <c:numRef>
-              <c:f>'Ark1'!$A$2:$A$29</c:f>
-              <c:numCache>
-                <c:formatCode>General</c:formatCode>
-                <c:ptCount val="28"/>
-              </c:numCache>
-            </c:numRef>
-          </c:cat>
-          <c:val>
-            <c:numRef>
-              <c:f>'Ark1'!$F$2:$F$29</c:f>
-              <c:numCache>
-                <c:formatCode>General</c:formatCode>
-                <c:ptCount val="28"/>
-                <c:pt idx="0">
-                  <c:v>0</c:v>
-                </c:pt>
-                <c:pt idx="1">
-                  <c:v>0</c:v>
-                </c:pt>
-                <c:pt idx="2">
-                  <c:v>0</c:v>
-                </c:pt>
-                <c:pt idx="3">
-                  <c:v>0</c:v>
-                </c:pt>
-                <c:pt idx="4">
-                  <c:v>0</c:v>
-                </c:pt>
-                <c:pt idx="5">
-                  <c:v>0</c:v>
-                </c:pt>
-                <c:pt idx="6">
-                  <c:v>0</c:v>
-                </c:pt>
-                <c:pt idx="7">
-                  <c:v>0</c:v>
-                </c:pt>
-                <c:pt idx="8">
-                  <c:v>0</c:v>
-                </c:pt>
-                <c:pt idx="9">
-                  <c:v>0</c:v>
-                </c:pt>
-                <c:pt idx="10">
-                  <c:v>0</c:v>
-                </c:pt>
-                <c:pt idx="11">
-                  <c:v>0</c:v>
-                </c:pt>
-                <c:pt idx="12">
-                  <c:v>0</c:v>
-                </c:pt>
-                <c:pt idx="13">
-                  <c:v>0</c:v>
-                </c:pt>
-                <c:pt idx="14">
-                  <c:v>0</c:v>
-                </c:pt>
-                <c:pt idx="15">
-                  <c:v>0</c:v>
-                </c:pt>
-                <c:pt idx="16">
-                  <c:v>0</c:v>
-                </c:pt>
-                <c:pt idx="17">
-                  <c:v>0</c:v>
-                </c:pt>
-                <c:pt idx="18">
-                  <c:v>0</c:v>
-                </c:pt>
-                <c:pt idx="19">
-                  <c:v>0</c:v>
-                </c:pt>
-                <c:pt idx="20">
-                  <c:v>0</c:v>
-                </c:pt>
-                <c:pt idx="21">
-                  <c:v>0</c:v>
-                </c:pt>
-                <c:pt idx="22">
-                  <c:v>0</c:v>
-                </c:pt>
-                <c:pt idx="23">
-                  <c:v>0</c:v>
-                </c:pt>
-                <c:pt idx="24">
-                  <c:v>0</c:v>
-                </c:pt>
-                <c:pt idx="25">
-                  <c:v>0</c:v>
-                </c:pt>
-                <c:pt idx="26">
-                  <c:v>0</c:v>
-                </c:pt>
-                <c:pt idx="27">
-                  <c:v>0</c:v>
-                </c:pt>
-              </c:numCache>
-            </c:numRef>
-          </c:val>
-          <c:extLst>
-            <c:ext xmlns:c16="http://schemas.microsoft.com/office/drawing/2014/chart" uri="{C3380CC4-5D6E-409C-BE32-E72D297353CC}">
-              <c16:uniqueId val="{00000000-3B7D-4A9D-8919-161CB8622A9F}"/>
+              <c16:uniqueId val="{00000003-678D-45B2-9C43-29A106EE4A2C}"/>
             </c:ext>
           </c:extLst>
         </c:ser>
@@ -931,55 +1190,22 @@
           <c:showPercent val="0"/>
           <c:showBubbleSize val="0"/>
         </c:dLbls>
-        <c:gapWidth val="182"/>
-        <c:axId val="2004586784"/>
-        <c:axId val="2004579584"/>
+        <c:gapWidth val="10"/>
+        <c:axId val="2004624704"/>
+        <c:axId val="2004614624"/>
       </c:barChart>
       <c:catAx>
-        <c:axId val="2004586784"/>
+        <c:axId val="2004624704"/>
         <c:scaling>
           <c:orientation val="minMax"/>
         </c:scaling>
-        <c:delete val="0"/>
-        <c:axPos val="r"/>
+        <c:delete val="1"/>
+        <c:axPos val="l"/>
         <c:numFmt formatCode="General" sourceLinked="1"/>
-        <c:majorTickMark val="none"/>
+        <c:majorTickMark val="out"/>
         <c:minorTickMark val="none"/>
         <c:tickLblPos val="nextTo"/>
-        <c:spPr>
-          <a:noFill/>
-          <a:ln w="9525" cap="flat" cmpd="sng" algn="ctr">
-            <a:solidFill>
-              <a:schemeClr val="tx1">
-                <a:lumMod val="15000"/>
-                <a:lumOff val="85000"/>
-              </a:schemeClr>
-            </a:solidFill>
-            <a:round/>
-          </a:ln>
-          <a:effectLst/>
-        </c:spPr>
-        <c:txPr>
-          <a:bodyPr rot="-60000000" spcFirstLastPara="1" vertOverflow="ellipsis" vert="horz" wrap="square" anchor="ctr" anchorCtr="1"/>
-          <a:lstStyle/>
-          <a:p>
-            <a:pPr>
-              <a:defRPr sz="1197" b="0" i="0" u="none" strike="noStrike" kern="1200" baseline="0">
-                <a:solidFill>
-                  <a:schemeClr val="tx1">
-                    <a:lumMod val="65000"/>
-                    <a:lumOff val="35000"/>
-                  </a:schemeClr>
-                </a:solidFill>
-                <a:latin typeface="+mn-lt"/>
-                <a:ea typeface="+mn-ea"/>
-                <a:cs typeface="+mn-cs"/>
-              </a:defRPr>
-            </a:pPr>
-            <a:endParaRPr lang="en-US"/>
-          </a:p>
-        </c:txPr>
-        <c:crossAx val="2004579584"/>
+        <c:crossAx val="2004614624"/>
         <c:crosses val="autoZero"/>
         <c:auto val="1"/>
         <c:lblAlgn val="ctr"/>
@@ -987,11 +1213,10 @@
         <c:noMultiLvlLbl val="0"/>
       </c:catAx>
       <c:valAx>
-        <c:axId val="2004579584"/>
+        <c:axId val="2004614624"/>
         <c:scaling>
-          <c:orientation val="maxMin"/>
+          <c:orientation val="minMax"/>
           <c:max val="2"/>
-          <c:min val="0"/>
         </c:scaling>
         <c:delete val="0"/>
         <c:axPos val="b"/>
@@ -1010,7 +1235,7 @@
           </c:spPr>
         </c:majorGridlines>
         <c:numFmt formatCode="General" sourceLinked="1"/>
-        <c:majorTickMark val="none"/>
+        <c:majorTickMark val="out"/>
         <c:minorTickMark val="none"/>
         <c:tickLblPos val="nextTo"/>
         <c:spPr>
@@ -1040,7 +1265,7 @@
             <a:endParaRPr lang="en-US"/>
           </a:p>
         </c:txPr>
-        <c:crossAx val="2004586784"/>
+        <c:crossAx val="2004624704"/>
         <c:crosses val="autoZero"/>
         <c:crossBetween val="between"/>
         <c:majorUnit val="1"/>
@@ -1054,6 +1279,51 @@
         <a:effectLst/>
       </c:spPr>
     </c:plotArea>
+    <c:legend>
+      <c:legendPos val="r"/>
+      <c:layout>
+        <c:manualLayout>
+          <c:xMode val="edge"/>
+          <c:yMode val="edge"/>
+          <c:x val="0.55714210850890089"/>
+          <c:y val="0.32580941965587634"/>
+          <c:w val="0.22940911522174681"/>
+          <c:h val="0.1497328885583098"/>
+        </c:manualLayout>
+      </c:layout>
+      <c:overlay val="0"/>
+      <c:spPr>
+        <a:solidFill>
+          <a:schemeClr val="bg1"/>
+        </a:solidFill>
+        <a:ln>
+          <a:solidFill>
+            <a:srgbClr val="D9D9D9"/>
+          </a:solidFill>
+        </a:ln>
+        <a:effectLst/>
+      </c:spPr>
+      <c:txPr>
+        <a:bodyPr rot="0" spcFirstLastPara="1" vertOverflow="ellipsis" vert="horz" wrap="square" anchor="ctr" anchorCtr="1"/>
+        <a:lstStyle/>
+        <a:p>
+          <a:pPr>
+            <a:defRPr sz="1400" b="0" i="0" u="none" strike="noStrike" kern="1200" baseline="0">
+              <a:solidFill>
+                <a:schemeClr val="tx1">
+                  <a:lumMod val="65000"/>
+                  <a:lumOff val="35000"/>
+                </a:schemeClr>
+              </a:solidFill>
+              <a:latin typeface="+mn-lt"/>
+              <a:ea typeface="+mn-ea"/>
+              <a:cs typeface="+mn-cs"/>
+            </a:defRPr>
+          </a:pPr>
+          <a:endParaRPr lang="en-US"/>
+        </a:p>
+      </c:txPr>
+    </c:legend>
     <c:plotVisOnly val="1"/>
     <c:dispBlanksAs val="gap"/>
     <c:extLst>
@@ -1122,13 +1392,14 @@
               </a:defRPr>
             </a:pPr>
             <a:r>
-              <a:rPr lang="en-US"/>
-              <a:t>SS </a:t>
-            </a:r>
-            <a:r>
               <a:rPr lang="en-US" dirty="0"/>
-              <a:t>scores</a:t>
-            </a:r>
+              <a:t>STAI-Y1</a:t>
+            </a:r>
+            <a:r>
+              <a:rPr lang="en-US" baseline="0" dirty="0"/>
+              <a:t> labels</a:t>
+            </a:r>
+            <a:endParaRPr lang="en-US" dirty="0"/>
           </a:p>
         </c:rich>
       </c:tx>
@@ -1136,8 +1407,8 @@
         <c:manualLayout>
           <c:xMode val="edge"/>
           <c:yMode val="edge"/>
-          <c:x val="0.130365296803653"/>
-          <c:y val="1.1111111111111112E-2"/>
+          <c:x val="0.5162068263082944"/>
+          <c:y val="2.9320518446881123E-2"/>
         </c:manualLayout>
       </c:layout>
       <c:overlay val="0"/>
@@ -1302,19 +1573,19 @@
                   <c:v>0</c:v>
                 </c:pt>
                 <c:pt idx="1">
-                  <c:v>1</c:v>
+                  <c:v>2</c:v>
                 </c:pt>
                 <c:pt idx="2">
-                  <c:v>0</c:v>
+                  <c:v>1</c:v>
                 </c:pt>
                 <c:pt idx="3">
-                  <c:v>1</c:v>
+                  <c:v>2</c:v>
                 </c:pt>
                 <c:pt idx="4">
                   <c:v>2</c:v>
                 </c:pt>
                 <c:pt idx="5">
-                  <c:v>1</c:v>
+                  <c:v>2</c:v>
                 </c:pt>
                 <c:pt idx="6">
                   <c:v>1</c:v>
@@ -1326,31 +1597,31 @@
                   <c:v>1</c:v>
                 </c:pt>
                 <c:pt idx="9">
-                  <c:v>0</c:v>
+                  <c:v>2</c:v>
                 </c:pt>
                 <c:pt idx="10">
-                  <c:v>1</c:v>
+                  <c:v>2</c:v>
                 </c:pt>
                 <c:pt idx="11">
-                  <c:v>1</c:v>
+                  <c:v>0</c:v>
                 </c:pt>
                 <c:pt idx="12">
-                  <c:v>1</c:v>
+                  <c:v>0</c:v>
                 </c:pt>
                 <c:pt idx="13">
                   <c:v>2</c:v>
                 </c:pt>
                 <c:pt idx="14">
-                  <c:v>1</c:v>
+                  <c:v>2</c:v>
                 </c:pt>
                 <c:pt idx="15">
-                  <c:v>1</c:v>
+                  <c:v>0</c:v>
                 </c:pt>
                 <c:pt idx="16">
-                  <c:v>0</c:v>
+                  <c:v>1</c:v>
                 </c:pt>
                 <c:pt idx="17">
-                  <c:v>1</c:v>
+                  <c:v>2</c:v>
                 </c:pt>
                 <c:pt idx="18">
                   <c:v>0</c:v>
@@ -1359,13 +1630,13 @@
                   <c:v>1</c:v>
                 </c:pt>
                 <c:pt idx="20">
-                  <c:v>1</c:v>
+                  <c:v>2</c:v>
                 </c:pt>
                 <c:pt idx="21">
                   <c:v>2</c:v>
                 </c:pt>
                 <c:pt idx="22">
-                  <c:v>1</c:v>
+                  <c:v>2</c:v>
                 </c:pt>
                 <c:pt idx="23">
                   <c:v>0</c:v>
@@ -1377,7 +1648,7 @@
                   <c:v>2</c:v>
                 </c:pt>
                 <c:pt idx="26">
-                  <c:v>0</c:v>
+                  <c:v>1</c:v>
                 </c:pt>
                 <c:pt idx="27">
                   <c:v>0</c:v>
@@ -1387,7 +1658,7 @@
           </c:val>
           <c:extLst>
             <c:ext xmlns:c16="http://schemas.microsoft.com/office/drawing/2014/chart" uri="{C3380CC4-5D6E-409C-BE32-E72D297353CC}">
-              <c16:uniqueId val="{00000000-678D-45B2-9C43-29A106EE4A2C}"/>
+              <c16:uniqueId val="{00000000-DA7F-49D5-9DC0-72C1FFE4ECFA}"/>
             </c:ext>
           </c:extLst>
         </c:ser>
@@ -1520,21 +1791,24 @@
                   <c:v>1</c:v>
                 </c:pt>
                 <c:pt idx="2">
-                  <c:v>1</c:v>
+                  <c:v>0</c:v>
                 </c:pt>
                 <c:pt idx="3">
                   <c:v>2</c:v>
                 </c:pt>
                 <c:pt idx="4">
-                  <c:v>1</c:v>
+                  <c:v>2</c:v>
                 </c:pt>
                 <c:pt idx="5">
                   <c:v>2</c:v>
                 </c:pt>
                 <c:pt idx="6">
-                  <c:v>1</c:v>
+                  <c:v>2</c:v>
                 </c:pt>
                 <c:pt idx="7">
+                  <c:v>2</c:v>
+                </c:pt>
+                <c:pt idx="8">
                   <c:v>1</c:v>
                 </c:pt>
                 <c:pt idx="9">
@@ -1544,34 +1818,34 @@
                   <c:v>2</c:v>
                 </c:pt>
                 <c:pt idx="11">
-                  <c:v>1</c:v>
+                  <c:v>0</c:v>
                 </c:pt>
                 <c:pt idx="12">
                   <c:v>1</c:v>
                 </c:pt>
                 <c:pt idx="13">
-                  <c:v>1</c:v>
+                  <c:v>2</c:v>
                 </c:pt>
                 <c:pt idx="14">
+                  <c:v>0</c:v>
+                </c:pt>
+                <c:pt idx="15">
+                  <c:v>0</c:v>
+                </c:pt>
+                <c:pt idx="16">
                   <c:v>2</c:v>
                 </c:pt>
-                <c:pt idx="15">
-                  <c:v>1</c:v>
-                </c:pt>
-                <c:pt idx="16">
-                  <c:v>1</c:v>
-                </c:pt>
                 <c:pt idx="17">
-                  <c:v>1</c:v>
+                  <c:v>2</c:v>
                 </c:pt>
                 <c:pt idx="18">
                   <c:v>0</c:v>
                 </c:pt>
                 <c:pt idx="19">
-                  <c:v>1</c:v>
+                  <c:v>2</c:v>
                 </c:pt>
                 <c:pt idx="20">
-                  <c:v>1</c:v>
+                  <c:v>0</c:v>
                 </c:pt>
                 <c:pt idx="21">
                   <c:v>2</c:v>
@@ -1580,7 +1854,7 @@
                   <c:v>2</c:v>
                 </c:pt>
                 <c:pt idx="23">
-                  <c:v>1</c:v>
+                  <c:v>0</c:v>
                 </c:pt>
                 <c:pt idx="24">
                   <c:v>2</c:v>
@@ -1592,14 +1866,14 @@
                   <c:v>1</c:v>
                 </c:pt>
                 <c:pt idx="27">
-                  <c:v>1</c:v>
+                  <c:v>0</c:v>
                 </c:pt>
               </c:numCache>
             </c:numRef>
           </c:val>
           <c:extLst>
             <c:ext xmlns:c16="http://schemas.microsoft.com/office/drawing/2014/chart" uri="{C3380CC4-5D6E-409C-BE32-E72D297353CC}">
-              <c16:uniqueId val="{00000001-678D-45B2-9C43-29A106EE4A2C}"/>
+              <c16:uniqueId val="{00000001-DA7F-49D5-9DC0-72C1FFE4ECFA}"/>
             </c:ext>
           </c:extLst>
         </c:ser>
@@ -1729,16 +2003,16 @@
                   <c:v>0</c:v>
                 </c:pt>
                 <c:pt idx="1">
-                  <c:v>0</c:v>
+                  <c:v>1</c:v>
                 </c:pt>
                 <c:pt idx="2">
                   <c:v>0</c:v>
                 </c:pt>
                 <c:pt idx="3">
-                  <c:v>1</c:v>
+                  <c:v>0</c:v>
                 </c:pt>
                 <c:pt idx="4">
-                  <c:v>1</c:v>
+                  <c:v>0</c:v>
                 </c:pt>
                 <c:pt idx="5">
                   <c:v>0</c:v>
@@ -1756,13 +2030,13 @@
                   <c:v>0</c:v>
                 </c:pt>
                 <c:pt idx="10">
-                  <c:v>0</c:v>
+                  <c:v>1</c:v>
                 </c:pt>
                 <c:pt idx="11">
                   <c:v>0</c:v>
                 </c:pt>
                 <c:pt idx="12">
-                  <c:v>0</c:v>
+                  <c:v>1</c:v>
                 </c:pt>
                 <c:pt idx="13">
                   <c:v>0</c:v>
@@ -1774,7 +2048,7 @@
                   <c:v>0</c:v>
                 </c:pt>
                 <c:pt idx="16">
-                  <c:v>0</c:v>
+                  <c:v>2</c:v>
                 </c:pt>
                 <c:pt idx="17">
                   <c:v>0</c:v>
@@ -1789,7 +2063,7 @@
                   <c:v>0</c:v>
                 </c:pt>
                 <c:pt idx="21">
-                  <c:v>1</c:v>
+                  <c:v>0</c:v>
                 </c:pt>
                 <c:pt idx="22">
                   <c:v>0</c:v>
@@ -1814,7 +2088,7 @@
           </c:val>
           <c:extLst>
             <c:ext xmlns:c16="http://schemas.microsoft.com/office/drawing/2014/chart" uri="{C3380CC4-5D6E-409C-BE32-E72D297353CC}">
-              <c16:uniqueId val="{00000002-678D-45B2-9C43-29A106EE4A2C}"/>
+              <c16:uniqueId val="{00000002-DA7F-49D5-9DC0-72C1FFE4ECFA}"/>
             </c:ext>
           </c:extLst>
         </c:ser>
@@ -1943,25 +2217,25 @@
                 <c:formatCode>General</c:formatCode>
                 <c:ptCount val="28"/>
                 <c:pt idx="0">
-                  <c:v>1</c:v>
+                  <c:v>0</c:v>
                 </c:pt>
                 <c:pt idx="1">
                   <c:v>0</c:v>
                 </c:pt>
                 <c:pt idx="2">
-                  <c:v>1</c:v>
+                  <c:v>0</c:v>
                 </c:pt>
                 <c:pt idx="3">
-                  <c:v>1</c:v>
+                  <c:v>2</c:v>
                 </c:pt>
                 <c:pt idx="4">
                   <c:v>1</c:v>
                 </c:pt>
                 <c:pt idx="5">
-                  <c:v>1</c:v>
+                  <c:v>0</c:v>
                 </c:pt>
                 <c:pt idx="6">
-                  <c:v>1</c:v>
+                  <c:v>0</c:v>
                 </c:pt>
                 <c:pt idx="7">
                   <c:v>1</c:v>
@@ -1970,16 +2244,16 @@
                   <c:v>0</c:v>
                 </c:pt>
                 <c:pt idx="9">
-                  <c:v>1</c:v>
+                  <c:v>0</c:v>
                 </c:pt>
                 <c:pt idx="10">
-                  <c:v>1</c:v>
+                  <c:v>2</c:v>
                 </c:pt>
                 <c:pt idx="11">
-                  <c:v>1</c:v>
+                  <c:v>0</c:v>
                 </c:pt>
                 <c:pt idx="12">
-                  <c:v>0</c:v>
+                  <c:v>2</c:v>
                 </c:pt>
                 <c:pt idx="13">
                   <c:v>1</c:v>
@@ -1988,40 +2262,40 @@
                   <c:v>0</c:v>
                 </c:pt>
                 <c:pt idx="15">
-                  <c:v>1</c:v>
+                  <c:v>0</c:v>
                 </c:pt>
                 <c:pt idx="16">
                   <c:v>1</c:v>
                 </c:pt>
                 <c:pt idx="17">
-                  <c:v>1</c:v>
+                  <c:v>2</c:v>
                 </c:pt>
                 <c:pt idx="18">
                   <c:v>0</c:v>
                 </c:pt>
                 <c:pt idx="19">
-                  <c:v>1</c:v>
+                  <c:v>0</c:v>
                 </c:pt>
                 <c:pt idx="20">
-                  <c:v>1</c:v>
+                  <c:v>0</c:v>
                 </c:pt>
                 <c:pt idx="21">
-                  <c:v>1</c:v>
+                  <c:v>0</c:v>
                 </c:pt>
                 <c:pt idx="22">
                   <c:v>0</c:v>
                 </c:pt>
                 <c:pt idx="23">
-                  <c:v>1</c:v>
+                  <c:v>0</c:v>
                 </c:pt>
                 <c:pt idx="24">
                   <c:v>0</c:v>
                 </c:pt>
                 <c:pt idx="25">
-                  <c:v>1</c:v>
+                  <c:v>0</c:v>
                 </c:pt>
                 <c:pt idx="26">
-                  <c:v>1</c:v>
+                  <c:v>0</c:v>
                 </c:pt>
                 <c:pt idx="27">
                   <c:v>0</c:v>
@@ -2031,7 +2305,7 @@
           </c:val>
           <c:extLst>
             <c:ext xmlns:c16="http://schemas.microsoft.com/office/drawing/2014/chart" uri="{C3380CC4-5D6E-409C-BE32-E72D297353CC}">
-              <c16:uniqueId val="{00000003-678D-45B2-9C43-29A106EE4A2C}"/>
+              <c16:uniqueId val="{00000003-DA7F-49D5-9DC0-72C1FFE4ECFA}"/>
             </c:ext>
           </c:extLst>
         </c:ser>
@@ -2043,7 +2317,7 @@
           <c:showPercent val="0"/>
           <c:showBubbleSize val="0"/>
         </c:dLbls>
-        <c:gapWidth val="182"/>
+        <c:gapWidth val="10"/>
         <c:axId val="2004624704"/>
         <c:axId val="2004614624"/>
       </c:barChart>
@@ -2052,45 +2326,12 @@
         <c:scaling>
           <c:orientation val="minMax"/>
         </c:scaling>
-        <c:delete val="0"/>
-        <c:axPos val="l"/>
+        <c:delete val="1"/>
+        <c:axPos val="r"/>
         <c:numFmt formatCode="General" sourceLinked="1"/>
         <c:majorTickMark val="out"/>
         <c:minorTickMark val="none"/>
         <c:tickLblPos val="nextTo"/>
-        <c:spPr>
-          <a:noFill/>
-          <a:ln w="9525" cap="flat" cmpd="sng" algn="ctr">
-            <a:solidFill>
-              <a:schemeClr val="tx1">
-                <a:lumMod val="15000"/>
-                <a:lumOff val="85000"/>
-              </a:schemeClr>
-            </a:solidFill>
-            <a:round/>
-          </a:ln>
-          <a:effectLst/>
-        </c:spPr>
-        <c:txPr>
-          <a:bodyPr rot="-60000000" spcFirstLastPara="1" vertOverflow="ellipsis" vert="horz" wrap="square" anchor="ctr" anchorCtr="1"/>
-          <a:lstStyle/>
-          <a:p>
-            <a:pPr>
-              <a:defRPr sz="1197" b="0" i="0" u="none" strike="noStrike" kern="1200" baseline="0">
-                <a:solidFill>
-                  <a:schemeClr val="tx1">
-                    <a:lumMod val="65000"/>
-                    <a:lumOff val="35000"/>
-                  </a:schemeClr>
-                </a:solidFill>
-                <a:latin typeface="+mn-lt"/>
-                <a:ea typeface="+mn-ea"/>
-                <a:cs typeface="+mn-cs"/>
-              </a:defRPr>
-            </a:pPr>
-            <a:endParaRPr lang="en-US"/>
-          </a:p>
-        </c:txPr>
         <c:crossAx val="2004614624"/>
         <c:crosses val="autoZero"/>
         <c:auto val="1"/>
@@ -2101,7 +2342,7 @@
       <c:valAx>
         <c:axId val="2004614624"/>
         <c:scaling>
-          <c:orientation val="minMax"/>
+          <c:orientation val="maxMin"/>
           <c:max val="2"/>
         </c:scaling>
         <c:delete val="0"/>
@@ -2165,47 +2406,6 @@
         <a:effectLst/>
       </c:spPr>
     </c:plotArea>
-    <c:legend>
-      <c:legendPos val="r"/>
-      <c:layout>
-        <c:manualLayout>
-          <c:xMode val="edge"/>
-          <c:yMode val="edge"/>
-          <c:x val="0.68238338786418817"/>
-          <c:y val="0.32766127150772822"/>
-          <c:w val="0.13116303527127601"/>
-          <c:h val="0.15158471857684455"/>
-        </c:manualLayout>
-      </c:layout>
-      <c:overlay val="0"/>
-      <c:spPr>
-        <a:noFill/>
-        <a:ln>
-          <a:noFill/>
-        </a:ln>
-        <a:effectLst/>
-      </c:spPr>
-      <c:txPr>
-        <a:bodyPr rot="0" spcFirstLastPara="1" vertOverflow="ellipsis" vert="horz" wrap="square" anchor="ctr" anchorCtr="1"/>
-        <a:lstStyle/>
-        <a:p>
-          <a:pPr>
-            <a:defRPr sz="1197" b="0" i="0" u="none" strike="noStrike" kern="1200" baseline="0">
-              <a:solidFill>
-                <a:schemeClr val="tx1">
-                  <a:lumMod val="65000"/>
-                  <a:lumOff val="35000"/>
-                </a:schemeClr>
-              </a:solidFill>
-              <a:latin typeface="+mn-lt"/>
-              <a:ea typeface="+mn-ea"/>
-              <a:cs typeface="+mn-cs"/>
-            </a:defRPr>
-          </a:pPr>
-          <a:endParaRPr lang="en-US"/>
-        </a:p>
-      </c:txPr>
-    </c:legend>
     <c:plotVisOnly val="1"/>
     <c:dispBlanksAs val="gap"/>
     <c:extLst>
@@ -3473,7 +3673,7 @@
           <a:p>
             <a:fld id="{8977503D-6457-44A6-8CA8-B289A600234F}" type="datetimeFigureOut">
               <a:rPr lang="en-US" smtClean="0"/>
-              <a:t>5/3/2023</a:t>
+              <a:t>5/12/2023</a:t>
             </a:fld>
             <a:endParaRPr lang="en-US"/>
           </a:p>
@@ -3673,7 +3873,7 @@
           <a:p>
             <a:fld id="{8977503D-6457-44A6-8CA8-B289A600234F}" type="datetimeFigureOut">
               <a:rPr lang="en-US" smtClean="0"/>
-              <a:t>5/3/2023</a:t>
+              <a:t>5/12/2023</a:t>
             </a:fld>
             <a:endParaRPr lang="en-US"/>
           </a:p>
@@ -3883,7 +4083,7 @@
           <a:p>
             <a:fld id="{8977503D-6457-44A6-8CA8-B289A600234F}" type="datetimeFigureOut">
               <a:rPr lang="en-US" smtClean="0"/>
-              <a:t>5/3/2023</a:t>
+              <a:t>5/12/2023</a:t>
             </a:fld>
             <a:endParaRPr lang="en-US"/>
           </a:p>
@@ -4083,7 +4283,7 @@
           <a:p>
             <a:fld id="{8977503D-6457-44A6-8CA8-B289A600234F}" type="datetimeFigureOut">
               <a:rPr lang="en-US" smtClean="0"/>
-              <a:t>5/3/2023</a:t>
+              <a:t>5/12/2023</a:t>
             </a:fld>
             <a:endParaRPr lang="en-US"/>
           </a:p>
@@ -4359,7 +4559,7 @@
           <a:p>
             <a:fld id="{8977503D-6457-44A6-8CA8-B289A600234F}" type="datetimeFigureOut">
               <a:rPr lang="en-US" smtClean="0"/>
-              <a:t>5/3/2023</a:t>
+              <a:t>5/12/2023</a:t>
             </a:fld>
             <a:endParaRPr lang="en-US"/>
           </a:p>
@@ -4627,7 +4827,7 @@
           <a:p>
             <a:fld id="{8977503D-6457-44A6-8CA8-B289A600234F}" type="datetimeFigureOut">
               <a:rPr lang="en-US" smtClean="0"/>
-              <a:t>5/3/2023</a:t>
+              <a:t>5/12/2023</a:t>
             </a:fld>
             <a:endParaRPr lang="en-US"/>
           </a:p>
@@ -5042,7 +5242,7 @@
           <a:p>
             <a:fld id="{8977503D-6457-44A6-8CA8-B289A600234F}" type="datetimeFigureOut">
               <a:rPr lang="en-US" smtClean="0"/>
-              <a:t>5/3/2023</a:t>
+              <a:t>5/12/2023</a:t>
             </a:fld>
             <a:endParaRPr lang="en-US"/>
           </a:p>
@@ -5184,7 +5384,7 @@
           <a:p>
             <a:fld id="{8977503D-6457-44A6-8CA8-B289A600234F}" type="datetimeFigureOut">
               <a:rPr lang="en-US" smtClean="0"/>
-              <a:t>5/3/2023</a:t>
+              <a:t>5/12/2023</a:t>
             </a:fld>
             <a:endParaRPr lang="en-US"/>
           </a:p>
@@ -5297,7 +5497,7 @@
           <a:p>
             <a:fld id="{8977503D-6457-44A6-8CA8-B289A600234F}" type="datetimeFigureOut">
               <a:rPr lang="en-US" smtClean="0"/>
-              <a:t>5/3/2023</a:t>
+              <a:t>5/12/2023</a:t>
             </a:fld>
             <a:endParaRPr lang="en-US"/>
           </a:p>
@@ -5610,7 +5810,7 @@
           <a:p>
             <a:fld id="{8977503D-6457-44A6-8CA8-B289A600234F}" type="datetimeFigureOut">
               <a:rPr lang="en-US" smtClean="0"/>
-              <a:t>5/3/2023</a:t>
+              <a:t>5/12/2023</a:t>
             </a:fld>
             <a:endParaRPr lang="en-US"/>
           </a:p>
@@ -5899,7 +6099,7 @@
           <a:p>
             <a:fld id="{8977503D-6457-44A6-8CA8-B289A600234F}" type="datetimeFigureOut">
               <a:rPr lang="en-US" smtClean="0"/>
-              <a:t>5/3/2023</a:t>
+              <a:t>5/12/2023</a:t>
             </a:fld>
             <a:endParaRPr lang="en-US"/>
           </a:p>
@@ -6142,7 +6342,7 @@
           <a:p>
             <a:fld id="{8977503D-6457-44A6-8CA8-B289A600234F}" type="datetimeFigureOut">
               <a:rPr lang="en-US" smtClean="0"/>
-              <a:t>5/3/2023</a:t>
+              <a:t>5/12/2023</a:t>
             </a:fld>
             <a:endParaRPr lang="en-US"/>
           </a:p>
@@ -6561,34 +6761,6 @@
       </p:grpSpPr>
       <p:graphicFrame>
         <p:nvGraphicFramePr>
-          <p:cNvPr id="11" name="Diagram 10">
-            <a:extLst>
-              <a:ext uri="{FF2B5EF4-FFF2-40B4-BE49-F238E27FC236}">
-                <a16:creationId xmlns:a16="http://schemas.microsoft.com/office/drawing/2014/main" id="{88B7FDD0-C234-BED2-B45E-0D4B7F428704}"/>
-              </a:ext>
-            </a:extLst>
-          </p:cNvPr>
-          <p:cNvGraphicFramePr/>
-          <p:nvPr>
-            <p:extLst>
-              <p:ext uri="{D42A27DB-BD31-4B8C-83A1-F6EECF244321}">
-                <p14:modId xmlns:p14="http://schemas.microsoft.com/office/powerpoint/2010/main" val="1994508651"/>
-              </p:ext>
-            </p:extLst>
-          </p:nvPr>
-        </p:nvGraphicFramePr>
-        <p:xfrm>
-          <a:off x="-776377" y="0"/>
-          <a:ext cx="6675120" cy="6858000"/>
-        </p:xfrm>
-        <a:graphic>
-          <a:graphicData uri="http://schemas.openxmlformats.org/drawingml/2006/chart">
-            <c:chart xmlns:c="http://schemas.openxmlformats.org/drawingml/2006/chart" xmlns:r="http://schemas.openxmlformats.org/officeDocument/2006/relationships" r:id="rId2"/>
-          </a:graphicData>
-        </a:graphic>
-      </p:graphicFrame>
-      <p:graphicFrame>
-        <p:nvGraphicFramePr>
           <p:cNvPr id="3" name="Diagram 2">
             <a:extLst>
               <a:ext uri="{FF2B5EF4-FFF2-40B4-BE49-F238E27FC236}">
@@ -6600,14 +6772,42 @@
           <p:nvPr>
             <p:extLst>
               <p:ext uri="{D42A27DB-BD31-4B8C-83A1-F6EECF244321}">
-                <p14:modId xmlns:p14="http://schemas.microsoft.com/office/powerpoint/2010/main" val="536027717"/>
+                <p14:modId xmlns:p14="http://schemas.microsoft.com/office/powerpoint/2010/main" val="2864987132"/>
               </p:ext>
             </p:extLst>
           </p:nvPr>
         </p:nvGraphicFramePr>
         <p:xfrm>
-          <a:off x="4634110" y="0"/>
-          <a:ext cx="6675120" cy="6858000"/>
+          <a:off x="2737259" y="-110836"/>
+          <a:ext cx="4522523" cy="6968836"/>
+        </p:xfrm>
+        <a:graphic>
+          <a:graphicData uri="http://schemas.openxmlformats.org/drawingml/2006/chart">
+            <c:chart xmlns:c="http://schemas.openxmlformats.org/drawingml/2006/chart" xmlns:r="http://schemas.openxmlformats.org/officeDocument/2006/relationships" r:id="rId2"/>
+          </a:graphicData>
+        </a:graphic>
+      </p:graphicFrame>
+      <p:graphicFrame>
+        <p:nvGraphicFramePr>
+          <p:cNvPr id="2" name="Diagram 1">
+            <a:extLst>
+              <a:ext uri="{FF2B5EF4-FFF2-40B4-BE49-F238E27FC236}">
+                <a16:creationId xmlns:a16="http://schemas.microsoft.com/office/drawing/2014/main" id="{868AD779-1EF1-40B3-6F58-2C53C1E4594F}"/>
+              </a:ext>
+            </a:extLst>
+          </p:cNvPr>
+          <p:cNvGraphicFramePr/>
+          <p:nvPr>
+            <p:extLst>
+              <p:ext uri="{D42A27DB-BD31-4B8C-83A1-F6EECF244321}">
+                <p14:modId xmlns:p14="http://schemas.microsoft.com/office/powerpoint/2010/main" val="2001328231"/>
+              </p:ext>
+            </p:extLst>
+          </p:nvPr>
+        </p:nvGraphicFramePr>
+        <p:xfrm>
+          <a:off x="-64656" y="-55418"/>
+          <a:ext cx="3195783" cy="6913418"/>
         </p:xfrm>
         <a:graphic>
           <a:graphicData uri="http://schemas.openxmlformats.org/drawingml/2006/chart">
@@ -6615,6 +6815,305 @@
           </a:graphicData>
         </a:graphic>
       </p:graphicFrame>
+      <p:sp>
+        <p:nvSpPr>
+          <p:cNvPr id="6" name="TekstSylinder 5">
+            <a:extLst>
+              <a:ext uri="{FF2B5EF4-FFF2-40B4-BE49-F238E27FC236}">
+                <a16:creationId xmlns:a16="http://schemas.microsoft.com/office/drawing/2014/main" id="{1C06D30E-A38A-F22E-E69B-020E95343696}"/>
+              </a:ext>
+            </a:extLst>
+          </p:cNvPr>
+          <p:cNvSpPr txBox="1"/>
+          <p:nvPr/>
+        </p:nvSpPr>
+        <p:spPr>
+          <a:xfrm>
+            <a:off x="2968167" y="461818"/>
+            <a:ext cx="678391" cy="6124754"/>
+          </a:xfrm>
+          <a:prstGeom prst="rect">
+            <a:avLst/>
+          </a:prstGeom>
+          <a:noFill/>
+        </p:spPr>
+        <p:txBody>
+          <a:bodyPr wrap="none" rtlCol="0">
+            <a:spAutoFit/>
+          </a:bodyPr>
+          <a:lstStyle/>
+          <a:p>
+            <a:r>
+              <a:rPr lang="nb-NO" sz="1400" dirty="0">
+                <a:solidFill>
+                  <a:srgbClr val="595959"/>
+                </a:solidFill>
+              </a:rPr>
+              <a:t>Sub 01</a:t>
+            </a:r>
+          </a:p>
+          <a:p>
+            <a:r>
+              <a:rPr lang="nb-NO" sz="1400" dirty="0">
+                <a:solidFill>
+                  <a:srgbClr val="595959"/>
+                </a:solidFill>
+              </a:rPr>
+              <a:t>Sub 02</a:t>
+            </a:r>
+          </a:p>
+          <a:p>
+            <a:r>
+              <a:rPr lang="nb-NO" sz="1400" dirty="0">
+                <a:solidFill>
+                  <a:srgbClr val="595959"/>
+                </a:solidFill>
+              </a:rPr>
+              <a:t>Sub 03</a:t>
+            </a:r>
+          </a:p>
+          <a:p>
+            <a:r>
+              <a:rPr lang="en-US" sz="1400" dirty="0">
+                <a:solidFill>
+                  <a:srgbClr val="595959"/>
+                </a:solidFill>
+              </a:rPr>
+              <a:t>Sub 04</a:t>
+            </a:r>
+          </a:p>
+          <a:p>
+            <a:r>
+              <a:rPr lang="en-US" sz="1400" dirty="0">
+                <a:solidFill>
+                  <a:srgbClr val="595959"/>
+                </a:solidFill>
+              </a:rPr>
+              <a:t>Sub 05</a:t>
+            </a:r>
+          </a:p>
+          <a:p>
+            <a:r>
+              <a:rPr lang="en-US" sz="1400" dirty="0">
+                <a:solidFill>
+                  <a:srgbClr val="595959"/>
+                </a:solidFill>
+              </a:rPr>
+              <a:t>Sub 06</a:t>
+            </a:r>
+          </a:p>
+          <a:p>
+            <a:r>
+              <a:rPr lang="en-US" sz="1400" dirty="0">
+                <a:solidFill>
+                  <a:srgbClr val="595959"/>
+                </a:solidFill>
+              </a:rPr>
+              <a:t>Sub 07</a:t>
+            </a:r>
+          </a:p>
+          <a:p>
+            <a:r>
+              <a:rPr lang="en-US" sz="1400" dirty="0">
+                <a:solidFill>
+                  <a:srgbClr val="595959"/>
+                </a:solidFill>
+              </a:rPr>
+              <a:t>Sub 08</a:t>
+            </a:r>
+          </a:p>
+          <a:p>
+            <a:r>
+              <a:rPr lang="en-US" sz="1400" dirty="0">
+                <a:solidFill>
+                  <a:srgbClr val="595959"/>
+                </a:solidFill>
+              </a:rPr>
+              <a:t>Sub 09</a:t>
+            </a:r>
+          </a:p>
+          <a:p>
+            <a:r>
+              <a:rPr lang="en-US" sz="1400" dirty="0">
+                <a:solidFill>
+                  <a:srgbClr val="595959"/>
+                </a:solidFill>
+              </a:rPr>
+              <a:t>Sub 10</a:t>
+            </a:r>
+          </a:p>
+          <a:p>
+            <a:r>
+              <a:rPr lang="en-US" sz="1400" dirty="0">
+                <a:solidFill>
+                  <a:srgbClr val="595959"/>
+                </a:solidFill>
+              </a:rPr>
+              <a:t>Sub 12</a:t>
+            </a:r>
+          </a:p>
+          <a:p>
+            <a:r>
+              <a:rPr lang="en-US" sz="1400" dirty="0">
+                <a:solidFill>
+                  <a:srgbClr val="595959"/>
+                </a:solidFill>
+              </a:rPr>
+              <a:t>Sub 13</a:t>
+            </a:r>
+          </a:p>
+          <a:p>
+            <a:r>
+              <a:rPr lang="en-US" sz="1400" dirty="0">
+                <a:solidFill>
+                  <a:srgbClr val="595959"/>
+                </a:solidFill>
+              </a:rPr>
+              <a:t>Sub 14</a:t>
+            </a:r>
+          </a:p>
+          <a:p>
+            <a:r>
+              <a:rPr lang="en-US" sz="1400" dirty="0">
+                <a:solidFill>
+                  <a:srgbClr val="595959"/>
+                </a:solidFill>
+              </a:rPr>
+              <a:t>Sub 15</a:t>
+            </a:r>
+          </a:p>
+          <a:p>
+            <a:r>
+              <a:rPr lang="en-US" sz="1400" dirty="0">
+                <a:solidFill>
+                  <a:srgbClr val="595959"/>
+                </a:solidFill>
+              </a:rPr>
+              <a:t>Sub 16</a:t>
+            </a:r>
+          </a:p>
+          <a:p>
+            <a:r>
+              <a:rPr lang="en-US" sz="1400" dirty="0">
+                <a:solidFill>
+                  <a:srgbClr val="595959"/>
+                </a:solidFill>
+              </a:rPr>
+              <a:t>Sub 17</a:t>
+            </a:r>
+          </a:p>
+          <a:p>
+            <a:r>
+              <a:rPr lang="en-US" sz="1400" dirty="0">
+                <a:solidFill>
+                  <a:srgbClr val="595959"/>
+                </a:solidFill>
+              </a:rPr>
+              <a:t>Sub 18</a:t>
+            </a:r>
+          </a:p>
+          <a:p>
+            <a:r>
+              <a:rPr lang="en-US" sz="1400" dirty="0">
+                <a:solidFill>
+                  <a:srgbClr val="595959"/>
+                </a:solidFill>
+              </a:rPr>
+              <a:t>Sub 19</a:t>
+            </a:r>
+          </a:p>
+          <a:p>
+            <a:r>
+              <a:rPr lang="en-US" sz="1400" dirty="0">
+                <a:solidFill>
+                  <a:srgbClr val="595959"/>
+                </a:solidFill>
+              </a:rPr>
+              <a:t>Sub 20</a:t>
+            </a:r>
+          </a:p>
+          <a:p>
+            <a:r>
+              <a:rPr lang="en-US" sz="1400" dirty="0">
+                <a:solidFill>
+                  <a:srgbClr val="595959"/>
+                </a:solidFill>
+              </a:rPr>
+              <a:t>Sub 21</a:t>
+            </a:r>
+          </a:p>
+          <a:p>
+            <a:r>
+              <a:rPr lang="en-US" sz="1400" dirty="0">
+                <a:solidFill>
+                  <a:srgbClr val="595959"/>
+                </a:solidFill>
+              </a:rPr>
+              <a:t>Sub 22</a:t>
+            </a:r>
+          </a:p>
+          <a:p>
+            <a:r>
+              <a:rPr lang="en-US" sz="1400" dirty="0">
+                <a:solidFill>
+                  <a:srgbClr val="595959"/>
+                </a:solidFill>
+              </a:rPr>
+              <a:t>Sub 23</a:t>
+            </a:r>
+          </a:p>
+          <a:p>
+            <a:r>
+              <a:rPr lang="en-US" sz="1400" dirty="0">
+                <a:solidFill>
+                  <a:srgbClr val="595959"/>
+                </a:solidFill>
+              </a:rPr>
+              <a:t>Sub 24</a:t>
+            </a:r>
+          </a:p>
+          <a:p>
+            <a:r>
+              <a:rPr lang="en-US" sz="1400" dirty="0">
+                <a:solidFill>
+                  <a:srgbClr val="595959"/>
+                </a:solidFill>
+              </a:rPr>
+              <a:t>Sub 25</a:t>
+            </a:r>
+          </a:p>
+          <a:p>
+            <a:r>
+              <a:rPr lang="en-US" sz="1400" dirty="0">
+                <a:solidFill>
+                  <a:srgbClr val="595959"/>
+                </a:solidFill>
+              </a:rPr>
+              <a:t>Sub 26</a:t>
+            </a:r>
+          </a:p>
+          <a:p>
+            <a:r>
+              <a:rPr lang="en-US" sz="1400" dirty="0">
+                <a:solidFill>
+                  <a:srgbClr val="595959"/>
+                </a:solidFill>
+              </a:rPr>
+              <a:t>Sub 27</a:t>
+            </a:r>
+          </a:p>
+          <a:p>
+            <a:r>
+              <a:rPr lang="en-US" sz="1400" dirty="0">
+                <a:solidFill>
+                  <a:srgbClr val="595959"/>
+                </a:solidFill>
+              </a:rPr>
+              <a:t>Sub 28</a:t>
+            </a:r>
+          </a:p>
+        </p:txBody>
+      </p:sp>
     </p:spTree>
     <p:extLst>
       <p:ext uri="{BB962C8B-B14F-4D97-AF65-F5344CB8AC3E}">
